--- a/2020FPS01/dev/arch/asis.pptx
+++ b/2020FPS01/dev/arch/asis.pptx
@@ -7301,8 +7301,8 @@
         </p:nvSpPr>
         <p:spPr>
           <a:xfrm>
-            <a:off x="596285" y="1036015"/>
-            <a:ext cx="3959432" cy="1938992"/>
+            <a:off x="602920" y="1211580"/>
+            <a:ext cx="7004081" cy="2643325"/>
           </a:xfrm>
           <a:prstGeom prst="rect">
             <a:avLst/>
@@ -7336,15 +7336,15 @@
           <a:p>
             <a:pPr algn="r"/>
             <a:r>
-              <a:rPr lang="pl-PL" sz="1100" dirty="0" err="1"/>
+              <a:rPr lang="pl-PL" sz="800" dirty="0" err="1"/>
               <a:t>Package</a:t>
             </a:r>
             <a:r>
-              <a:rPr lang="pl-PL" sz="1100" dirty="0"/>
+              <a:rPr lang="pl-PL" sz="800" dirty="0"/>
               <a:t> : ZNYPE</a:t>
             </a:r>
             <a:r>
-              <a:rPr lang="pl-PL" sz="1100" b="1" dirty="0">
+              <a:rPr lang="pl-PL" sz="800" b="1" dirty="0">
                 <a:solidFill>
                   <a:srgbClr val="FF0000"/>
                 </a:solidFill>
@@ -7352,7 +7352,7 @@
               <a:t>CI</a:t>
             </a:r>
             <a:r>
-              <a:rPr lang="pl-PL" sz="1100" dirty="0"/>
+              <a:rPr lang="pl-PL" sz="800" dirty="0"/>
               <a:t>CEN</a:t>
             </a:r>
           </a:p>
@@ -7372,7 +7372,7 @@
         </p:nvSpPr>
         <p:spPr>
           <a:xfrm>
-            <a:off x="8011040" y="1945209"/>
+            <a:off x="8109459" y="1728093"/>
             <a:ext cx="3680074" cy="4081733"/>
           </a:xfrm>
           <a:prstGeom prst="rect">
@@ -7473,6 +7473,26 @@
               <a:rPr lang="pl-PL" sz="1800" dirty="0" err="1"/>
               <a:t>architecture</a:t>
             </a:r>
+            <a:r>
+              <a:rPr lang="pl-PL" sz="1800" dirty="0"/>
+              <a:t> (</a:t>
+            </a:r>
+            <a:r>
+              <a:rPr lang="pl-PL" sz="1800" dirty="0" err="1"/>
+              <a:t>based</a:t>
+            </a:r>
+            <a:r>
+              <a:rPr lang="pl-PL" sz="1800" dirty="0"/>
+              <a:t> on CI </a:t>
+            </a:r>
+            <a:r>
+              <a:rPr lang="pl-PL" sz="1800" dirty="0" err="1"/>
+              <a:t>example</a:t>
+            </a:r>
+            <a:r>
+              <a:rPr lang="pl-PL" sz="1800" dirty="0"/>
+              <a:t>)</a:t>
+            </a:r>
             <a:endParaRPr lang="en-US" sz="1800" dirty="0"/>
           </a:p>
         </p:txBody>
@@ -7491,8 +7511,8 @@
         </p:nvSpPr>
         <p:spPr>
           <a:xfrm>
-            <a:off x="7698441" y="1408418"/>
-            <a:ext cx="4303796" cy="5077623"/>
+            <a:off x="7896755" y="1408418"/>
+            <a:ext cx="4105482" cy="5077623"/>
           </a:xfrm>
           <a:prstGeom prst="rect">
             <a:avLst/>
@@ -7554,7 +7574,7 @@
         <p:spPr>
           <a:xfrm>
             <a:off x="393980" y="696965"/>
-            <a:ext cx="7035248" cy="5077623"/>
+            <a:ext cx="7398956" cy="5611111"/>
           </a:xfrm>
           <a:prstGeom prst="rect">
             <a:avLst/>
@@ -7595,10 +7615,10 @@
       </p:sp>
       <p:sp>
         <p:nvSpPr>
-          <p:cNvPr id="8" name="Rectangle 7">
-            <a:extLst>
-              <a:ext uri="{FF2B5EF4-FFF2-40B4-BE49-F238E27FC236}">
-                <a16:creationId xmlns:a16="http://schemas.microsoft.com/office/drawing/2014/main" id="{CA305381-D981-424F-9586-38EE5F597341}"/>
+          <p:cNvPr id="37" name="Rectangle 36">
+            <a:extLst>
+              <a:ext uri="{FF2B5EF4-FFF2-40B4-BE49-F238E27FC236}">
+                <a16:creationId xmlns:a16="http://schemas.microsoft.com/office/drawing/2014/main" id="{BE768033-363D-4A9E-8A66-D9D57F608C34}"/>
               </a:ext>
             </a:extLst>
           </p:cNvPr>
@@ -7607,8 +7627,8 @@
         </p:nvSpPr>
         <p:spPr>
           <a:xfrm>
-            <a:off x="8063588" y="2968830"/>
-            <a:ext cx="1992503" cy="460170"/>
+            <a:off x="3137423" y="3101492"/>
+            <a:ext cx="594376" cy="688208"/>
           </a:xfrm>
           <a:prstGeom prst="rect">
             <a:avLst/>
@@ -7640,20 +7660,29 @@
           <a:bodyPr rtlCol="0" anchor="ctr"/>
           <a:lstStyle/>
           <a:p>
-            <a:pPr algn="ctr"/>
-            <a:r>
-              <a:rPr lang="pl-PL" sz="1200" dirty="0"/>
-              <a:t>Function module ZNYPECATFDESIGER</a:t>
-            </a:r>
-          </a:p>
-        </p:txBody>
-      </p:sp>
-      <p:sp>
-        <p:nvSpPr>
-          <p:cNvPr id="5" name="Rectangle 4">
-            <a:extLst>
-              <a:ext uri="{FF2B5EF4-FFF2-40B4-BE49-F238E27FC236}">
-                <a16:creationId xmlns:a16="http://schemas.microsoft.com/office/drawing/2014/main" id="{C1FDC43A-7DB5-4CBA-B612-493390EF73F5}"/>
+            <a:r>
+              <a:rPr lang="pl-PL" sz="800" dirty="0" err="1"/>
+              <a:t>Table</a:t>
+            </a:r>
+            <a:r>
+              <a:rPr lang="pl-PL" sz="800" dirty="0"/>
+              <a:t>:</a:t>
+            </a:r>
+          </a:p>
+          <a:p>
+            <a:r>
+              <a:rPr lang="pl-PL" sz="800" dirty="0"/>
+              <a:t>ZCI_CTL</a:t>
+            </a:r>
+          </a:p>
+        </p:txBody>
+      </p:sp>
+      <p:sp>
+        <p:nvSpPr>
+          <p:cNvPr id="4" name="Rectangle 3">
+            <a:extLst>
+              <a:ext uri="{FF2B5EF4-FFF2-40B4-BE49-F238E27FC236}">
+                <a16:creationId xmlns:a16="http://schemas.microsoft.com/office/drawing/2014/main" id="{5572AA58-E131-4F33-82F8-3C4176D40D3C}"/>
               </a:ext>
             </a:extLst>
           </p:cNvPr>
@@ -7662,15 +7691,17 @@
         </p:nvSpPr>
         <p:spPr>
           <a:xfrm>
-            <a:off x="9061113" y="3555516"/>
-            <a:ext cx="3060916" cy="325623"/>
+            <a:off x="4087127" y="1589036"/>
+            <a:ext cx="3166947" cy="1353583"/>
           </a:xfrm>
           <a:prstGeom prst="rect">
             <a:avLst/>
           </a:prstGeom>
           <a:noFill/>
           <a:ln>
-            <a:noFill/>
+            <a:solidFill>
+              <a:schemeClr val="tx1"/>
+            </a:solidFill>
           </a:ln>
         </p:spPr>
         <p:style>
@@ -7694,65 +7725,61 @@
           <a:lstStyle/>
           <a:p>
             <a:r>
-              <a:rPr lang="pl-PL" sz="1200" dirty="0" err="1"/>
-              <a:t>Triggers</a:t>
-            </a:r>
-            <a:r>
-              <a:rPr lang="pl-PL" sz="1200" dirty="0"/>
-              <a:t> the start of the </a:t>
-            </a:r>
-            <a:r>
-              <a:rPr lang="pl-PL" sz="1200" dirty="0" err="1"/>
-              <a:t>bactch</a:t>
-            </a:r>
-            <a:r>
-              <a:rPr lang="pl-PL" sz="1200" dirty="0"/>
+              <a:rPr lang="pl-PL" sz="800" dirty="0"/>
+              <a:t>ZNYPECICEN-COPY_ASIS_CATALOGS()</a:t>
+            </a:r>
+          </a:p>
+          <a:p>
+            <a:r>
+              <a:rPr lang="pl-PL" sz="800" i="1" dirty="0" err="1"/>
+              <a:t>move</a:t>
+            </a:r>
+            <a:r>
+              <a:rPr lang="pl-PL" sz="800" i="1" dirty="0"/>
+              <a:t> the </a:t>
+            </a:r>
+            <a:r>
+              <a:rPr lang="pl-PL" sz="800" i="1" dirty="0" err="1"/>
+              <a:t>internal</a:t>
+            </a:r>
+            <a:r>
+              <a:rPr lang="pl-PL" sz="800" i="1" dirty="0"/>
               <a:t> </a:t>
             </a:r>
             <a:r>
-              <a:rPr lang="pl-PL" sz="1200" dirty="0" err="1"/>
-              <a:t>job</a:t>
-            </a:r>
-            <a:r>
-              <a:rPr lang="pl-PL" sz="1200" dirty="0"/>
-              <a:t> </a:t>
-            </a:r>
-            <a:r>
-              <a:rPr lang="pl-PL" sz="1200" dirty="0" err="1"/>
-              <a:t>that</a:t>
-            </a:r>
-            <a:r>
-              <a:rPr lang="pl-PL" sz="1200" dirty="0"/>
-              <a:t> </a:t>
-            </a:r>
-            <a:r>
-              <a:rPr lang="pl-PL" sz="1200" dirty="0" err="1"/>
-              <a:t>collects</a:t>
-            </a:r>
-            <a:r>
-              <a:rPr lang="pl-PL" sz="1200" dirty="0"/>
-              <a:t> data in </a:t>
-            </a:r>
-            <a:r>
-              <a:rPr lang="pl-PL" sz="1200" dirty="0" err="1"/>
+              <a:rPr lang="pl-PL" sz="800" i="1" dirty="0" err="1"/>
               <a:t>table</a:t>
             </a:r>
             <a:r>
-              <a:rPr lang="pl-PL" sz="1200" dirty="0"/>
-              <a:t> ZNYPECATLIST</a:t>
-            </a:r>
-          </a:p>
-          <a:p>
-            <a:endParaRPr lang="pl-PL" sz="1200" dirty="0"/>
-          </a:p>
-        </p:txBody>
-      </p:sp>
-      <p:sp>
-        <p:nvSpPr>
-          <p:cNvPr id="20" name="Rectangle 19">
-            <a:extLst>
-              <a:ext uri="{FF2B5EF4-FFF2-40B4-BE49-F238E27FC236}">
-                <a16:creationId xmlns:a16="http://schemas.microsoft.com/office/drawing/2014/main" id="{14BF34A3-A1AF-48F3-8609-17C94EBC2452}"/>
+              <a:rPr lang="pl-PL" sz="800" i="1" dirty="0"/>
+              <a:t> (</a:t>
+            </a:r>
+            <a:r>
+              <a:rPr lang="pl-PL" sz="800" i="1" dirty="0" err="1"/>
+              <a:t>incoming</a:t>
+            </a:r>
+            <a:r>
+              <a:rPr lang="pl-PL" sz="800" i="1" dirty="0"/>
+              <a:t>) to ZCI_CTL</a:t>
+            </a:r>
+          </a:p>
+          <a:p>
+            <a:endParaRPr lang="pl-PL" sz="800" dirty="0"/>
+          </a:p>
+          <a:p>
+            <a:r>
+              <a:rPr lang="pl-PL" sz="800" dirty="0"/>
+              <a:t>(FM)Z_NYPECICEN_COPY_ASIS_CATALOGS</a:t>
+            </a:r>
+          </a:p>
+        </p:txBody>
+      </p:sp>
+      <p:sp>
+        <p:nvSpPr>
+          <p:cNvPr id="25" name="Rectangle 24">
+            <a:extLst>
+              <a:ext uri="{FF2B5EF4-FFF2-40B4-BE49-F238E27FC236}">
+                <a16:creationId xmlns:a16="http://schemas.microsoft.com/office/drawing/2014/main" id="{C3446289-E49F-4946-ABAE-7CC0105621FC}"/>
               </a:ext>
             </a:extLst>
           </p:cNvPr>
@@ -7761,8 +7788,8 @@
         </p:nvSpPr>
         <p:spPr>
           <a:xfrm>
-            <a:off x="8100596" y="4613562"/>
-            <a:ext cx="1296114" cy="458708"/>
+            <a:off x="885040" y="1577718"/>
+            <a:ext cx="3166947" cy="1353583"/>
           </a:xfrm>
           <a:prstGeom prst="rect">
             <a:avLst/>
@@ -7794,38 +7821,40 @@
           <a:bodyPr rtlCol="0" anchor="ctr"/>
           <a:lstStyle/>
           <a:p>
-            <a:pPr algn="ctr"/>
-            <a:r>
-              <a:rPr lang="pl-PL" sz="1200" dirty="0" err="1"/>
-              <a:t>Table</a:t>
-            </a:r>
-            <a:r>
-              <a:rPr lang="pl-PL" sz="1200" dirty="0"/>
-              <a:t> ZNYPECATLIST</a:t>
+            <a:r>
+              <a:rPr lang="pl-PL" sz="800" dirty="0"/>
+              <a:t>ZNYPECICEN-DOWNLOAD_CATALOGS()</a:t>
+            </a:r>
+          </a:p>
+          <a:p>
+            <a:endParaRPr lang="pl-PL" sz="800" dirty="0"/>
+          </a:p>
+          <a:p>
+            <a:r>
+              <a:rPr lang="pl-PL" sz="800" dirty="0"/>
+              <a:t>ZNYPECICEN-&gt;ZCL_ZNYPECICEN_DPC_EXT-/IWBEP/IF_MGW_APPL_SRV_RUNTIME~EXECUTE_ACTION() (</a:t>
             </a:r>
           </a:p>
         </p:txBody>
       </p:sp>
       <p:cxnSp>
         <p:nvCxnSpPr>
-          <p:cNvPr id="39" name="Straight Arrow Connector 38">
-            <a:extLst>
-              <a:ext uri="{FF2B5EF4-FFF2-40B4-BE49-F238E27FC236}">
-                <a16:creationId xmlns:a16="http://schemas.microsoft.com/office/drawing/2014/main" id="{23DD8E50-87A7-4AF0-9971-D5A8DEBB22E6}"/>
+          <p:cNvPr id="28" name="Straight Arrow Connector 27">
+            <a:extLst>
+              <a:ext uri="{FF2B5EF4-FFF2-40B4-BE49-F238E27FC236}">
+                <a16:creationId xmlns:a16="http://schemas.microsoft.com/office/drawing/2014/main" id="{179EC013-CD05-4C59-B58A-0FE9C3CE988B}"/>
               </a:ext>
             </a:extLst>
           </p:cNvPr>
           <p:cNvCxnSpPr>
             <a:cxnSpLocks/>
-            <a:stCxn id="29" idx="1"/>
-            <a:endCxn id="27" idx="1"/>
           </p:cNvCxnSpPr>
           <p:nvPr/>
         </p:nvCxnSpPr>
         <p:spPr>
-          <a:xfrm>
-            <a:off x="7096806" y="4607591"/>
-            <a:ext cx="914234" cy="840066"/>
+          <a:xfrm flipH="1">
+            <a:off x="3731799" y="2265827"/>
+            <a:ext cx="493069" cy="1179769"/>
           </a:xfrm>
           <a:prstGeom prst="straightConnector1">
             <a:avLst/>
@@ -7852,12 +7881,56 @@
           </a:fontRef>
         </p:style>
       </p:cxnSp>
-      <p:sp>
-        <p:nvSpPr>
-          <p:cNvPr id="27" name="Rectangle 26">
-            <a:extLst>
-              <a:ext uri="{FF2B5EF4-FFF2-40B4-BE49-F238E27FC236}">
-                <a16:creationId xmlns:a16="http://schemas.microsoft.com/office/drawing/2014/main" id="{BCF766FA-015D-4DEC-920D-3E9D77B31B8F}"/>
+      <p:cxnSp>
+        <p:nvCxnSpPr>
+          <p:cNvPr id="41" name="Straight Arrow Connector 40">
+            <a:extLst>
+              <a:ext uri="{FF2B5EF4-FFF2-40B4-BE49-F238E27FC236}">
+                <a16:creationId xmlns:a16="http://schemas.microsoft.com/office/drawing/2014/main" id="{FB62A61F-AEFA-440E-8332-C389EB487B3A}"/>
+              </a:ext>
+            </a:extLst>
+          </p:cNvPr>
+          <p:cNvCxnSpPr>
+            <a:cxnSpLocks/>
+          </p:cNvCxnSpPr>
+          <p:nvPr/>
+        </p:nvCxnSpPr>
+        <p:spPr>
+          <a:xfrm flipV="1">
+            <a:off x="5901466" y="2247165"/>
+            <a:ext cx="0" cy="148977"/>
+          </a:xfrm>
+          <a:prstGeom prst="straightConnector1">
+            <a:avLst/>
+          </a:prstGeom>
+          <a:ln>
+            <a:solidFill>
+              <a:schemeClr val="tx1"/>
+            </a:solidFill>
+            <a:tailEnd type="triangle"/>
+          </a:ln>
+        </p:spPr>
+        <p:style>
+          <a:lnRef idx="1">
+            <a:schemeClr val="accent1"/>
+          </a:lnRef>
+          <a:fillRef idx="0">
+            <a:schemeClr val="accent1"/>
+          </a:fillRef>
+          <a:effectRef idx="0">
+            <a:schemeClr val="accent1"/>
+          </a:effectRef>
+          <a:fontRef idx="minor">
+            <a:schemeClr val="tx1"/>
+          </a:fontRef>
+        </p:style>
+      </p:cxnSp>
+      <p:sp>
+        <p:nvSpPr>
+          <p:cNvPr id="36" name="Rectangle 35">
+            <a:extLst>
+              <a:ext uri="{FF2B5EF4-FFF2-40B4-BE49-F238E27FC236}">
+                <a16:creationId xmlns:a16="http://schemas.microsoft.com/office/drawing/2014/main" id="{A2542364-C36E-492C-A45C-1E5022B86BCB}"/>
               </a:ext>
             </a:extLst>
           </p:cNvPr>
@@ -7866,8 +7939,8 @@
         </p:nvSpPr>
         <p:spPr>
           <a:xfrm>
-            <a:off x="8011040" y="5217572"/>
-            <a:ext cx="1635436" cy="460170"/>
+            <a:off x="8267603" y="2151006"/>
+            <a:ext cx="3166947" cy="1353583"/>
           </a:xfrm>
           <a:prstGeom prst="rect">
             <a:avLst/>
@@ -7899,20 +7972,19 @@
           <a:bodyPr rtlCol="0" anchor="ctr"/>
           <a:lstStyle/>
           <a:p>
-            <a:pPr algn="ctr"/>
-            <a:r>
-              <a:rPr lang="pl-PL" sz="1200" dirty="0"/>
-              <a:t>Function module ZNYPEGETCAT</a:t>
-            </a:r>
-          </a:p>
-        </p:txBody>
-      </p:sp>
-      <p:sp>
-        <p:nvSpPr>
-          <p:cNvPr id="29" name="Rectangle 28">
-            <a:extLst>
-              <a:ext uri="{FF2B5EF4-FFF2-40B4-BE49-F238E27FC236}">
-                <a16:creationId xmlns:a16="http://schemas.microsoft.com/office/drawing/2014/main" id="{309E4AE8-1647-43A0-8CA1-F55CE24B73E1}"/>
+            <a:r>
+              <a:rPr lang="pl-PL" sz="800" dirty="0"/>
+              <a:t>xxx</a:t>
+            </a:r>
+          </a:p>
+        </p:txBody>
+      </p:sp>
+      <p:sp>
+        <p:nvSpPr>
+          <p:cNvPr id="45" name="Rectangle 44">
+            <a:extLst>
+              <a:ext uri="{FF2B5EF4-FFF2-40B4-BE49-F238E27FC236}">
+                <a16:creationId xmlns:a16="http://schemas.microsoft.com/office/drawing/2014/main" id="{B28228EC-C381-4B4E-8E1D-6F01DAAD64C9}"/>
               </a:ext>
             </a:extLst>
           </p:cNvPr>
@@ -7921,13 +7993,18 @@
         </p:nvSpPr>
         <p:spPr>
           <a:xfrm>
-            <a:off x="7096806" y="4444779"/>
-            <a:ext cx="843955" cy="325623"/>
+            <a:off x="885040" y="3985548"/>
+            <a:ext cx="5508859" cy="1938992"/>
           </a:xfrm>
           <a:prstGeom prst="rect">
             <a:avLst/>
           </a:prstGeom>
-          <a:noFill/>
+          <a:solidFill>
+            <a:schemeClr val="accent1">
+              <a:lumMod val="60000"/>
+              <a:lumOff val="40000"/>
+            </a:schemeClr>
+          </a:solidFill>
           <a:ln>
             <a:noFill/>
           </a:ln>
@@ -7949,28 +8026,39 @@
           </a:fontRef>
         </p:style>
         <p:txBody>
-          <a:bodyPr rtlCol="0" anchor="ctr"/>
-          <a:lstStyle/>
-          <a:p>
-            <a:pPr algn="ctr"/>
-            <a:r>
-              <a:rPr lang="pl-PL" sz="1200" dirty="0"/>
-              <a:t>RFC </a:t>
-            </a:r>
-            <a:r>
-              <a:rPr lang="pl-PL" sz="1200" dirty="0" err="1"/>
-              <a:t>call</a:t>
-            </a:r>
-            <a:endParaRPr lang="pl-PL" sz="1200" dirty="0"/>
-          </a:p>
-        </p:txBody>
-      </p:sp>
-      <p:sp>
-        <p:nvSpPr>
-          <p:cNvPr id="44" name="Rectangle 43">
-            <a:extLst>
-              <a:ext uri="{FF2B5EF4-FFF2-40B4-BE49-F238E27FC236}">
-                <a16:creationId xmlns:a16="http://schemas.microsoft.com/office/drawing/2014/main" id="{48B38D08-6AE6-4AC4-94A5-430E314F153D}"/>
+          <a:bodyPr rtlCol="0" anchor="t" anchorCtr="0"/>
+          <a:lstStyle/>
+          <a:p>
+            <a:pPr algn="r"/>
+            <a:r>
+              <a:rPr lang="pl-PL" sz="800" dirty="0" err="1"/>
+              <a:t>Package</a:t>
+            </a:r>
+            <a:r>
+              <a:rPr lang="pl-PL" sz="800" dirty="0"/>
+              <a:t> : ZNYPE</a:t>
+            </a:r>
+            <a:r>
+              <a:rPr lang="pl-PL" sz="800" b="1" dirty="0">
+                <a:solidFill>
+                  <a:srgbClr val="FF0000"/>
+                </a:solidFill>
+              </a:rPr>
+              <a:t>ASIS</a:t>
+            </a:r>
+            <a:r>
+              <a:rPr lang="pl-PL" sz="800" dirty="0"/>
+              <a:t>CEN</a:t>
+            </a:r>
+          </a:p>
+        </p:txBody>
+      </p:sp>
+      <p:sp>
+        <p:nvSpPr>
+          <p:cNvPr id="46" name="Rectangle 45">
+            <a:extLst>
+              <a:ext uri="{FF2B5EF4-FFF2-40B4-BE49-F238E27FC236}">
+                <a16:creationId xmlns:a16="http://schemas.microsoft.com/office/drawing/2014/main" id="{FE81FFD7-A698-435A-9B63-FEAA0C17DE1F}"/>
               </a:ext>
             </a:extLst>
           </p:cNvPr>
@@ -7979,15 +8067,17 @@
         </p:nvSpPr>
         <p:spPr>
           <a:xfrm>
-            <a:off x="9932763" y="3881139"/>
-            <a:ext cx="1452197" cy="529021"/>
+            <a:off x="2801824" y="4298711"/>
+            <a:ext cx="3166947" cy="1353583"/>
           </a:xfrm>
           <a:prstGeom prst="rect">
             <a:avLst/>
           </a:prstGeom>
           <a:noFill/>
           <a:ln>
-            <a:noFill/>
+            <a:solidFill>
+              <a:schemeClr val="tx1"/>
+            </a:solidFill>
           </a:ln>
         </p:spPr>
         <p:style>
@@ -8011,573 +8101,254 @@
           <a:lstStyle/>
           <a:p>
             <a:r>
-              <a:rPr lang="pl-PL" sz="1200" dirty="0"/>
-              <a:t>Get </a:t>
-            </a:r>
-            <a:r>
-              <a:rPr lang="pl-PL" sz="1200" dirty="0" err="1"/>
-              <a:t>catalogs</a:t>
-            </a:r>
-            <a:r>
-              <a:rPr lang="pl-PL" sz="1200" dirty="0"/>
-              <a:t> from designer</a:t>
-            </a:r>
-          </a:p>
-          <a:p>
-            <a:endParaRPr lang="pl-PL" sz="1200" dirty="0"/>
-          </a:p>
-        </p:txBody>
-      </p:sp>
-      <p:sp>
-        <p:nvSpPr>
-          <p:cNvPr id="6" name="Rectangle 5">
-            <a:extLst>
-              <a:ext uri="{FF2B5EF4-FFF2-40B4-BE49-F238E27FC236}">
-                <a16:creationId xmlns:a16="http://schemas.microsoft.com/office/drawing/2014/main" id="{23CE2D12-1A70-4644-97A4-791C0575E64E}"/>
-              </a:ext>
-            </a:extLst>
-          </p:cNvPr>
-          <p:cNvSpPr/>
+              <a:rPr lang="pl-PL" sz="800" dirty="0"/>
+              <a:t>NYPEASISCEN-COPY_ASIS_CATALOGS() </a:t>
+            </a:r>
+          </a:p>
+          <a:p>
+            <a:r>
+              <a:rPr lang="pl-PL" sz="800" i="1" dirty="0"/>
+              <a:t> run </a:t>
+            </a:r>
+            <a:r>
+              <a:rPr lang="pl-PL" sz="800" i="1" dirty="0" err="1"/>
+              <a:t>copying</a:t>
+            </a:r>
+            <a:r>
+              <a:rPr lang="pl-PL" sz="800" i="1" dirty="0"/>
+              <a:t> </a:t>
+            </a:r>
+            <a:r>
+              <a:rPr lang="pl-PL" sz="800" i="1" dirty="0" err="1"/>
+              <a:t>asis</a:t>
+            </a:r>
+            <a:r>
+              <a:rPr lang="pl-PL" sz="800" i="1" dirty="0"/>
+              <a:t> data to </a:t>
+            </a:r>
+            <a:r>
+              <a:rPr lang="pl-PL" sz="800" i="1" dirty="0" err="1"/>
+              <a:t>plugin</a:t>
+            </a:r>
+            <a:r>
+              <a:rPr lang="pl-PL" sz="800" i="1" dirty="0"/>
+              <a:t> CATALOG IMPORT</a:t>
+            </a:r>
+          </a:p>
+          <a:p>
+            <a:endParaRPr lang="pl-PL" sz="800" dirty="0"/>
+          </a:p>
+          <a:p>
+            <a:r>
+              <a:rPr lang="pl-PL" sz="800" dirty="0"/>
+              <a:t>ZNYPEASISCEN-DOWNLOAD_CATALOGS()</a:t>
+            </a:r>
+          </a:p>
+          <a:p>
+            <a:endParaRPr lang="pl-PL" sz="800" dirty="0"/>
+          </a:p>
+          <a:p>
+            <a:r>
+              <a:rPr lang="pl-PL" sz="800" dirty="0"/>
+              <a:t>(FM)Z_NYPEASISCEN_DOWNLOAD_CATALOG</a:t>
+            </a:r>
+          </a:p>
+          <a:p>
+            <a:endParaRPr lang="pl-PL" sz="800" dirty="0"/>
+          </a:p>
+          <a:p>
+            <a:r>
+              <a:rPr lang="pl-PL" sz="800" dirty="0"/>
+              <a:t>        (FM)Z_NYPEASISCEN_DOWNLOAD_APPS</a:t>
+            </a:r>
+          </a:p>
+          <a:p>
+            <a:endParaRPr lang="pl-PL" sz="800" dirty="0"/>
+          </a:p>
+          <a:p>
+            <a:r>
+              <a:rPr lang="pl-PL" sz="800" dirty="0"/>
+              <a:t>        (FM)Z_NYPEASISCEN_DOWNLOAD_CTL_APP</a:t>
+            </a:r>
+          </a:p>
+        </p:txBody>
+      </p:sp>
+      <p:cxnSp>
+        <p:nvCxnSpPr>
+          <p:cNvPr id="47" name="Straight Arrow Connector 46">
+            <a:extLst>
+              <a:ext uri="{FF2B5EF4-FFF2-40B4-BE49-F238E27FC236}">
+                <a16:creationId xmlns:a16="http://schemas.microsoft.com/office/drawing/2014/main" id="{29641A32-7F31-40E0-A553-17CB2177FFF5}"/>
+              </a:ext>
+            </a:extLst>
+          </p:cNvPr>
+          <p:cNvCxnSpPr>
+            <a:cxnSpLocks/>
+          </p:cNvCxnSpPr>
           <p:nvPr/>
-        </p:nvSpPr>
-        <p:spPr>
-          <a:xfrm>
-            <a:off x="8101093" y="3932069"/>
-            <a:ext cx="1771774" cy="458708"/>
-          </a:xfrm>
-          <a:prstGeom prst="rect">
+        </p:nvCxnSpPr>
+        <p:spPr>
+          <a:xfrm flipV="1">
+            <a:off x="2970077" y="4826525"/>
+            <a:ext cx="0" cy="148977"/>
+          </a:xfrm>
+          <a:prstGeom prst="straightConnector1">
             <a:avLst/>
           </a:prstGeom>
-          <a:noFill/>
           <a:ln>
             <a:solidFill>
               <a:schemeClr val="tx1"/>
             </a:solidFill>
+            <a:tailEnd type="triangle"/>
           </a:ln>
         </p:spPr>
         <p:style>
-          <a:lnRef idx="2">
-            <a:schemeClr val="accent1">
-              <a:shade val="50000"/>
-            </a:schemeClr>
+          <a:lnRef idx="1">
+            <a:schemeClr val="accent1"/>
           </a:lnRef>
-          <a:fillRef idx="1">
+          <a:fillRef idx="0">
             <a:schemeClr val="accent1"/>
           </a:fillRef>
           <a:effectRef idx="0">
             <a:schemeClr val="accent1"/>
           </a:effectRef>
           <a:fontRef idx="minor">
-            <a:schemeClr val="lt1"/>
+            <a:schemeClr val="tx1"/>
           </a:fontRef>
         </p:style>
-        <p:txBody>
-          <a:bodyPr rtlCol="0" anchor="ctr"/>
-          <a:lstStyle/>
-          <a:p>
-            <a:pPr algn="ctr"/>
-            <a:r>
-              <a:rPr lang="pl-PL" sz="1200" dirty="0" err="1"/>
-              <a:t>Batch</a:t>
-            </a:r>
-            <a:r>
-              <a:rPr lang="pl-PL" sz="1200" dirty="0"/>
-              <a:t> </a:t>
-            </a:r>
-            <a:r>
-              <a:rPr lang="pl-PL" sz="1200" dirty="0" err="1"/>
-              <a:t>job</a:t>
-            </a:r>
-            <a:r>
-              <a:rPr lang="pl-PL" sz="1200" dirty="0"/>
-              <a:t> ZNYPECATLISTGET</a:t>
-            </a:r>
-          </a:p>
-        </p:txBody>
-      </p:sp>
-      <p:sp>
-        <p:nvSpPr>
-          <p:cNvPr id="7" name="Rectangle 6">
-            <a:extLst>
-              <a:ext uri="{FF2B5EF4-FFF2-40B4-BE49-F238E27FC236}">
-                <a16:creationId xmlns:a16="http://schemas.microsoft.com/office/drawing/2014/main" id="{05EB4EE3-B873-479B-A5D3-0027487C0365}"/>
-              </a:ext>
-            </a:extLst>
-          </p:cNvPr>
-          <p:cNvSpPr/>
+      </p:cxnSp>
+      <p:cxnSp>
+        <p:nvCxnSpPr>
+          <p:cNvPr id="48" name="Straight Arrow Connector 47">
+            <a:extLst>
+              <a:ext uri="{FF2B5EF4-FFF2-40B4-BE49-F238E27FC236}">
+                <a16:creationId xmlns:a16="http://schemas.microsoft.com/office/drawing/2014/main" id="{E6D4A397-33A6-4D92-AC20-6B61FCF36BA6}"/>
+              </a:ext>
+            </a:extLst>
+          </p:cNvPr>
+          <p:cNvCxnSpPr>
+            <a:cxnSpLocks/>
+          </p:cNvCxnSpPr>
           <p:nvPr/>
-        </p:nvSpPr>
-        <p:spPr>
-          <a:xfrm>
-            <a:off x="9855757" y="4568660"/>
-            <a:ext cx="1452197" cy="529021"/>
-          </a:xfrm>
-          <a:prstGeom prst="rect">
+        </p:nvCxnSpPr>
+        <p:spPr>
+          <a:xfrm flipV="1">
+            <a:off x="2934219" y="4588951"/>
+            <a:ext cx="0" cy="148977"/>
+          </a:xfrm>
+          <a:prstGeom prst="straightConnector1">
             <a:avLst/>
           </a:prstGeom>
-          <a:noFill/>
           <a:ln>
-            <a:noFill/>
+            <a:solidFill>
+              <a:schemeClr val="tx1"/>
+            </a:solidFill>
+            <a:tailEnd type="triangle"/>
           </a:ln>
         </p:spPr>
         <p:style>
-          <a:lnRef idx="2">
-            <a:schemeClr val="accent1">
-              <a:shade val="50000"/>
-            </a:schemeClr>
+          <a:lnRef idx="1">
+            <a:schemeClr val="accent1"/>
           </a:lnRef>
-          <a:fillRef idx="1">
+          <a:fillRef idx="0">
             <a:schemeClr val="accent1"/>
           </a:fillRef>
           <a:effectRef idx="0">
             <a:schemeClr val="accent1"/>
           </a:effectRef>
           <a:fontRef idx="minor">
-            <a:schemeClr val="lt1"/>
+            <a:schemeClr val="tx1"/>
           </a:fontRef>
         </p:style>
-        <p:txBody>
-          <a:bodyPr rtlCol="0" anchor="ctr"/>
-          <a:lstStyle/>
-          <a:p>
-            <a:r>
-              <a:rPr lang="pl-PL" sz="1200" dirty="0" err="1"/>
-              <a:t>Populate</a:t>
-            </a:r>
-            <a:r>
-              <a:rPr lang="pl-PL" sz="1200" dirty="0"/>
-              <a:t> the </a:t>
-            </a:r>
-            <a:r>
-              <a:rPr lang="pl-PL" sz="1200" dirty="0" err="1"/>
-              <a:t>table</a:t>
-            </a:r>
-            <a:endParaRPr lang="pl-PL" sz="1200" dirty="0"/>
-          </a:p>
-        </p:txBody>
-      </p:sp>
-      <p:sp>
-        <p:nvSpPr>
-          <p:cNvPr id="9" name="Rectangle 8">
-            <a:extLst>
-              <a:ext uri="{FF2B5EF4-FFF2-40B4-BE49-F238E27FC236}">
-                <a16:creationId xmlns:a16="http://schemas.microsoft.com/office/drawing/2014/main" id="{9D8E5DD9-BB64-40DE-AB1B-648EA991CA31}"/>
-              </a:ext>
-            </a:extLst>
-          </p:cNvPr>
-          <p:cNvSpPr/>
+      </p:cxnSp>
+      <p:cxnSp>
+        <p:nvCxnSpPr>
+          <p:cNvPr id="39" name="Straight Arrow Connector 38">
+            <a:extLst>
+              <a:ext uri="{FF2B5EF4-FFF2-40B4-BE49-F238E27FC236}">
+                <a16:creationId xmlns:a16="http://schemas.microsoft.com/office/drawing/2014/main" id="{23DD8E50-87A7-4AF0-9971-D5A8DEBB22E6}"/>
+              </a:ext>
+            </a:extLst>
+          </p:cNvPr>
+          <p:cNvCxnSpPr>
+            <a:cxnSpLocks/>
+          </p:cNvCxnSpPr>
           <p:nvPr/>
-        </p:nvSpPr>
-        <p:spPr>
-          <a:xfrm>
-            <a:off x="9864580" y="5148721"/>
-            <a:ext cx="1452197" cy="529021"/>
-          </a:xfrm>
-          <a:prstGeom prst="rect">
+        </p:nvCxnSpPr>
+        <p:spPr>
+          <a:xfrm>
+            <a:off x="2460880" y="2020254"/>
+            <a:ext cx="437687" cy="2955248"/>
+          </a:xfrm>
+          <a:prstGeom prst="straightConnector1">
             <a:avLst/>
           </a:prstGeom>
-          <a:noFill/>
           <a:ln>
-            <a:noFill/>
+            <a:solidFill>
+              <a:schemeClr val="tx1"/>
+            </a:solidFill>
+            <a:tailEnd type="triangle"/>
           </a:ln>
         </p:spPr>
         <p:style>
-          <a:lnRef idx="2">
-            <a:schemeClr val="accent1">
-              <a:shade val="50000"/>
-            </a:schemeClr>
+          <a:lnRef idx="1">
+            <a:schemeClr val="accent1"/>
           </a:lnRef>
-          <a:fillRef idx="1">
+          <a:fillRef idx="0">
             <a:schemeClr val="accent1"/>
           </a:fillRef>
           <a:effectRef idx="0">
             <a:schemeClr val="accent1"/>
           </a:effectRef>
           <a:fontRef idx="minor">
-            <a:schemeClr val="lt1"/>
+            <a:schemeClr val="tx1"/>
           </a:fontRef>
         </p:style>
-        <p:txBody>
-          <a:bodyPr rtlCol="0" anchor="ctr"/>
-          <a:lstStyle/>
-          <a:p>
-            <a:r>
-              <a:rPr lang="pl-PL" sz="1200" dirty="0"/>
-              <a:t>Read the </a:t>
-            </a:r>
-            <a:r>
-              <a:rPr lang="pl-PL" sz="1200" dirty="0" err="1"/>
-              <a:t>table</a:t>
-            </a:r>
-            <a:endParaRPr lang="pl-PL" sz="1200" dirty="0"/>
-          </a:p>
-        </p:txBody>
-      </p:sp>
-      <p:sp>
-        <p:nvSpPr>
-          <p:cNvPr id="12" name="Flowchart: Terminator 11">
-            <a:extLst>
-              <a:ext uri="{FF2B5EF4-FFF2-40B4-BE49-F238E27FC236}">
-                <a16:creationId xmlns:a16="http://schemas.microsoft.com/office/drawing/2014/main" id="{18BCD44C-B9AD-4BED-8BDB-6FC51C31CDC8}"/>
-              </a:ext>
-            </a:extLst>
-          </p:cNvPr>
-          <p:cNvSpPr/>
+      </p:cxnSp>
+      <p:cxnSp>
+        <p:nvCxnSpPr>
+          <p:cNvPr id="40" name="Straight Arrow Connector 39">
+            <a:extLst>
+              <a:ext uri="{FF2B5EF4-FFF2-40B4-BE49-F238E27FC236}">
+                <a16:creationId xmlns:a16="http://schemas.microsoft.com/office/drawing/2014/main" id="{1BC3C8F6-EFC9-4F69-ABD4-FA520843CAAF}"/>
+              </a:ext>
+            </a:extLst>
+          </p:cNvPr>
+          <p:cNvCxnSpPr>
+            <a:cxnSpLocks/>
+          </p:cNvCxnSpPr>
           <p:nvPr/>
-        </p:nvSpPr>
-        <p:spPr>
-          <a:xfrm>
-            <a:off x="724831" y="1290540"/>
-            <a:ext cx="3268945" cy="271467"/>
-          </a:xfrm>
-          <a:prstGeom prst="flowChartTerminator">
+        </p:nvCxnSpPr>
+        <p:spPr>
+          <a:xfrm flipV="1">
+            <a:off x="4756527" y="2461260"/>
+            <a:ext cx="1245511" cy="1942560"/>
+          </a:xfrm>
+          <a:prstGeom prst="straightConnector1">
             <a:avLst/>
           </a:prstGeom>
-          <a:noFill/>
           <a:ln>
             <a:solidFill>
               <a:schemeClr val="tx1"/>
             </a:solidFill>
+            <a:tailEnd type="triangle"/>
           </a:ln>
         </p:spPr>
         <p:style>
-          <a:lnRef idx="2">
-            <a:schemeClr val="accent1">
-              <a:shade val="50000"/>
-            </a:schemeClr>
+          <a:lnRef idx="1">
+            <a:schemeClr val="accent1"/>
           </a:lnRef>
-          <a:fillRef idx="1">
+          <a:fillRef idx="0">
             <a:schemeClr val="accent1"/>
           </a:fillRef>
           <a:effectRef idx="0">
             <a:schemeClr val="accent1"/>
           </a:effectRef>
           <a:fontRef idx="minor">
-            <a:schemeClr val="lt1"/>
+            <a:schemeClr val="tx1"/>
           </a:fontRef>
         </p:style>
-        <p:txBody>
-          <a:bodyPr rtlCol="0" anchor="ctr"/>
-          <a:lstStyle/>
-          <a:p>
-            <a:pPr algn="ctr"/>
-            <a:r>
-              <a:rPr lang="pl-PL" sz="800" dirty="0"/>
-              <a:t>Class: ZCL_ZNYPECICEN_DPC_EXT-/IWBEP/IF_MGW_APPL_SRV_RUNTIME~EXECUTE_ACTION()</a:t>
-            </a:r>
-          </a:p>
-        </p:txBody>
-      </p:sp>
-      <p:sp>
-        <p:nvSpPr>
-          <p:cNvPr id="13" name="Flowchart: Terminator 12">
-            <a:extLst>
-              <a:ext uri="{FF2B5EF4-FFF2-40B4-BE49-F238E27FC236}">
-                <a16:creationId xmlns:a16="http://schemas.microsoft.com/office/drawing/2014/main" id="{6E85D16E-42AE-44E6-A882-ECEC95969C2C}"/>
-              </a:ext>
-            </a:extLst>
-          </p:cNvPr>
-          <p:cNvSpPr/>
-          <p:nvPr/>
-        </p:nvSpPr>
-        <p:spPr>
-          <a:xfrm>
-            <a:off x="724831" y="1738955"/>
-            <a:ext cx="3268945" cy="166851"/>
-          </a:xfrm>
-          <a:prstGeom prst="flowChartTerminator">
-            <a:avLst/>
-          </a:prstGeom>
-          <a:noFill/>
-          <a:ln>
-            <a:solidFill>
-              <a:schemeClr val="tx1"/>
-            </a:solidFill>
-          </a:ln>
-        </p:spPr>
-        <p:style>
-          <a:lnRef idx="2">
-            <a:schemeClr val="accent1">
-              <a:shade val="50000"/>
-            </a:schemeClr>
-          </a:lnRef>
-          <a:fillRef idx="1">
-            <a:schemeClr val="accent1"/>
-          </a:fillRef>
-          <a:effectRef idx="0">
-            <a:schemeClr val="accent1"/>
-          </a:effectRef>
-          <a:fontRef idx="minor">
-            <a:schemeClr val="lt1"/>
-          </a:fontRef>
-        </p:style>
-        <p:txBody>
-          <a:bodyPr rtlCol="0" anchor="ctr"/>
-          <a:lstStyle/>
-          <a:p>
-            <a:pPr algn="ctr"/>
-            <a:r>
-              <a:rPr lang="pl-PL" sz="800" dirty="0"/>
-              <a:t>Class: ZNYPECICEN-DOWNLOAD_CATALOGS()</a:t>
-            </a:r>
-          </a:p>
-        </p:txBody>
-      </p:sp>
-      <p:sp>
-        <p:nvSpPr>
-          <p:cNvPr id="16" name="Rectangle 15">
-            <a:extLst>
-              <a:ext uri="{FF2B5EF4-FFF2-40B4-BE49-F238E27FC236}">
-                <a16:creationId xmlns:a16="http://schemas.microsoft.com/office/drawing/2014/main" id="{D5CD15D4-9D6A-4D70-9937-8A0DBC4EA4ED}"/>
-              </a:ext>
-            </a:extLst>
-          </p:cNvPr>
-          <p:cNvSpPr/>
-          <p:nvPr/>
-        </p:nvSpPr>
-        <p:spPr>
-          <a:xfrm>
-            <a:off x="1176618" y="3495755"/>
-            <a:ext cx="5508859" cy="1938992"/>
-          </a:xfrm>
-          <a:prstGeom prst="rect">
-            <a:avLst/>
-          </a:prstGeom>
-          <a:solidFill>
-            <a:srgbClr val="059E9B"/>
-          </a:solidFill>
-          <a:ln>
-            <a:noFill/>
-          </a:ln>
-        </p:spPr>
-        <p:style>
-          <a:lnRef idx="2">
-            <a:schemeClr val="accent1">
-              <a:shade val="50000"/>
-            </a:schemeClr>
-          </a:lnRef>
-          <a:fillRef idx="1">
-            <a:schemeClr val="accent1"/>
-          </a:fillRef>
-          <a:effectRef idx="0">
-            <a:schemeClr val="accent1"/>
-          </a:effectRef>
-          <a:fontRef idx="minor">
-            <a:schemeClr val="lt1"/>
-          </a:fontRef>
-        </p:style>
-        <p:txBody>
-          <a:bodyPr rtlCol="0" anchor="t" anchorCtr="0"/>
-          <a:lstStyle/>
-          <a:p>
-            <a:pPr algn="r"/>
-            <a:r>
-              <a:rPr lang="pl-PL" sz="1200" dirty="0" err="1"/>
-              <a:t>Package</a:t>
-            </a:r>
-            <a:r>
-              <a:rPr lang="pl-PL" sz="1200" dirty="0"/>
-              <a:t> : ZNYPE</a:t>
-            </a:r>
-            <a:r>
-              <a:rPr lang="pl-PL" sz="1200" b="1" dirty="0">
-                <a:solidFill>
-                  <a:srgbClr val="FF0000"/>
-                </a:solidFill>
-              </a:rPr>
-              <a:t>ASIS</a:t>
-            </a:r>
-            <a:r>
-              <a:rPr lang="pl-PL" sz="1200" dirty="0"/>
-              <a:t>CEN</a:t>
-            </a:r>
-          </a:p>
-        </p:txBody>
-      </p:sp>
-      <p:sp>
-        <p:nvSpPr>
-          <p:cNvPr id="26" name="Rectangle 25">
-            <a:extLst>
-              <a:ext uri="{FF2B5EF4-FFF2-40B4-BE49-F238E27FC236}">
-                <a16:creationId xmlns:a16="http://schemas.microsoft.com/office/drawing/2014/main" id="{CBCAB9FB-3CC6-4D20-93B7-8E6D09D3D92E}"/>
-              </a:ext>
-            </a:extLst>
-          </p:cNvPr>
-          <p:cNvSpPr/>
-          <p:nvPr/>
-        </p:nvSpPr>
-        <p:spPr>
-          <a:xfrm>
-            <a:off x="3045594" y="3863988"/>
-            <a:ext cx="3166947" cy="1353583"/>
-          </a:xfrm>
-          <a:prstGeom prst="rect">
-            <a:avLst/>
-          </a:prstGeom>
-          <a:noFill/>
-          <a:ln>
-            <a:solidFill>
-              <a:schemeClr val="tx1"/>
-            </a:solidFill>
-          </a:ln>
-        </p:spPr>
-        <p:style>
-          <a:lnRef idx="2">
-            <a:schemeClr val="accent1">
-              <a:shade val="50000"/>
-            </a:schemeClr>
-          </a:lnRef>
-          <a:fillRef idx="1">
-            <a:schemeClr val="accent1"/>
-          </a:fillRef>
-          <a:effectRef idx="0">
-            <a:schemeClr val="accent1"/>
-          </a:effectRef>
-          <a:fontRef idx="minor">
-            <a:schemeClr val="lt1"/>
-          </a:fontRef>
-        </p:style>
-        <p:txBody>
-          <a:bodyPr rtlCol="0" anchor="ctr"/>
-          <a:lstStyle/>
-          <a:p>
-            <a:r>
-              <a:rPr lang="pl-PL" sz="800" dirty="0"/>
-              <a:t>NYPEASISCEN-COPY_ASIS_CATALOGS() </a:t>
-            </a:r>
-          </a:p>
-          <a:p>
-            <a:r>
-              <a:rPr lang="pl-PL" sz="800" i="1" dirty="0"/>
-              <a:t> run </a:t>
-            </a:r>
-            <a:r>
-              <a:rPr lang="pl-PL" sz="800" i="1" dirty="0" err="1"/>
-              <a:t>copying</a:t>
-            </a:r>
-            <a:r>
-              <a:rPr lang="pl-PL" sz="800" i="1" dirty="0"/>
-              <a:t> </a:t>
-            </a:r>
-            <a:r>
-              <a:rPr lang="pl-PL" sz="800" i="1" dirty="0" err="1"/>
-              <a:t>asis</a:t>
-            </a:r>
-            <a:r>
-              <a:rPr lang="pl-PL" sz="800" i="1" dirty="0"/>
-              <a:t> data to </a:t>
-            </a:r>
-            <a:r>
-              <a:rPr lang="pl-PL" sz="800" i="1" dirty="0" err="1"/>
-              <a:t>plugin</a:t>
-            </a:r>
-            <a:r>
-              <a:rPr lang="pl-PL" sz="800" i="1" dirty="0"/>
-              <a:t> CATALOG IMPORT</a:t>
-            </a:r>
-          </a:p>
-          <a:p>
-            <a:endParaRPr lang="pl-PL" sz="800" dirty="0"/>
-          </a:p>
-          <a:p>
-            <a:r>
-              <a:rPr lang="pl-PL" sz="800" dirty="0"/>
-              <a:t>ZNYPEASISCEN-DOWNLOAD_CATALOGS()</a:t>
-            </a:r>
-          </a:p>
-          <a:p>
-            <a:endParaRPr lang="pl-PL" sz="800" dirty="0"/>
-          </a:p>
-          <a:p>
-            <a:r>
-              <a:rPr lang="pl-PL" sz="800" dirty="0"/>
-              <a:t>(FM)Z_NYPEASISCEN_DOWNLOAD_CATALOG</a:t>
-            </a:r>
-          </a:p>
-          <a:p>
-            <a:endParaRPr lang="pl-PL" sz="800" dirty="0"/>
-          </a:p>
-          <a:p>
-            <a:r>
-              <a:rPr lang="pl-PL" sz="800" dirty="0"/>
-              <a:t>(FM)Z_NYPEASISCEN_DOWNLOAD_APPS</a:t>
-            </a:r>
-          </a:p>
-          <a:p>
-            <a:endParaRPr lang="pl-PL" sz="800" dirty="0"/>
-          </a:p>
-          <a:p>
-            <a:r>
-              <a:rPr lang="pl-PL" sz="800" dirty="0"/>
-              <a:t>(FM)Z_NYPEASISCEN_DOWNLOAD_CTL_APP</a:t>
-            </a:r>
-          </a:p>
-        </p:txBody>
-      </p:sp>
-      <p:sp>
-        <p:nvSpPr>
-          <p:cNvPr id="37" name="Rectangle 36">
-            <a:extLst>
-              <a:ext uri="{FF2B5EF4-FFF2-40B4-BE49-F238E27FC236}">
-                <a16:creationId xmlns:a16="http://schemas.microsoft.com/office/drawing/2014/main" id="{BE768033-363D-4A9E-8A66-D9D57F608C34}"/>
-              </a:ext>
-            </a:extLst>
-          </p:cNvPr>
-          <p:cNvSpPr/>
-          <p:nvPr/>
-        </p:nvSpPr>
-        <p:spPr>
-          <a:xfrm>
-            <a:off x="1429406" y="3885988"/>
-            <a:ext cx="594376" cy="688208"/>
-          </a:xfrm>
-          <a:prstGeom prst="rect">
-            <a:avLst/>
-          </a:prstGeom>
-          <a:noFill/>
-          <a:ln>
-            <a:solidFill>
-              <a:schemeClr val="tx1"/>
-            </a:solidFill>
-          </a:ln>
-        </p:spPr>
-        <p:style>
-          <a:lnRef idx="2">
-            <a:schemeClr val="accent1">
-              <a:shade val="50000"/>
-            </a:schemeClr>
-          </a:lnRef>
-          <a:fillRef idx="1">
-            <a:schemeClr val="accent1"/>
-          </a:fillRef>
-          <a:effectRef idx="0">
-            <a:schemeClr val="accent1"/>
-          </a:effectRef>
-          <a:fontRef idx="minor">
-            <a:schemeClr val="lt1"/>
-          </a:fontRef>
-        </p:style>
-        <p:txBody>
-          <a:bodyPr rtlCol="0" anchor="ctr"/>
-          <a:lstStyle/>
-          <a:p>
-            <a:r>
-              <a:rPr lang="pl-PL" sz="800" dirty="0" err="1"/>
-              <a:t>Table</a:t>
-            </a:r>
-            <a:r>
-              <a:rPr lang="pl-PL" sz="800" dirty="0"/>
-              <a:t>:</a:t>
-            </a:r>
-          </a:p>
-          <a:p>
-            <a:r>
-              <a:rPr lang="pl-PL" sz="800" dirty="0"/>
-              <a:t>ZCI_CTL</a:t>
-            </a:r>
-          </a:p>
-        </p:txBody>
-      </p:sp>
+      </p:cxnSp>
     </p:spTree>
     <p:extLst>
       <p:ext uri="{BB962C8B-B14F-4D97-AF65-F5344CB8AC3E}">

--- a/2020FPS01/dev/arch/asis.pptx
+++ b/2020FPS01/dev/arch/asis.pptx
@@ -7406,7 +7406,14 @@
           <a:lstStyle/>
           <a:p>
             <a:pPr algn="r"/>
-            <a:endParaRPr lang="pl-PL" sz="1200" dirty="0"/>
+            <a:r>
+              <a:rPr lang="pl-PL" sz="1200" dirty="0" err="1"/>
+              <a:t>Package</a:t>
+            </a:r>
+            <a:r>
+              <a:rPr lang="pl-PL" sz="1200" dirty="0"/>
+              <a:t>: ZNYPEASISMAN</a:t>
+            </a:r>
           </a:p>
         </p:txBody>
       </p:sp>
@@ -7823,8 +7830,21 @@
           <a:p>
             <a:r>
               <a:rPr lang="pl-PL" sz="800" dirty="0"/>
-              <a:t>ZNYPECICEN-DOWNLOAD_CATALOGS()</a:t>
-            </a:r>
+              <a:t>ZNYPECICEN-DOWNLOAD_CATALOGS() </a:t>
+            </a:r>
+            <a:r>
+              <a:rPr lang="pl-PL" sz="800" dirty="0" err="1"/>
+              <a:t>call</a:t>
+            </a:r>
+            <a:r>
+              <a:rPr lang="pl-PL" sz="800" dirty="0"/>
+              <a:t> asynchronicznie, </a:t>
+            </a:r>
+            <a:r>
+              <a:rPr lang="pl-PL" sz="800" i="1" dirty="0"/>
+              <a:t>sprawdza czy istnieje ASIS</a:t>
+            </a:r>
+            <a:endParaRPr lang="pl-PL" sz="800" dirty="0"/>
           </a:p>
           <a:p>
             <a:endParaRPr lang="pl-PL" sz="800" dirty="0"/>
@@ -7974,8 +7994,21 @@
           <a:p>
             <a:r>
               <a:rPr lang="pl-PL" sz="800" dirty="0"/>
-              <a:t>xxx</a:t>
-            </a:r>
+              <a:t>FM: moduł -&gt; </a:t>
+            </a:r>
+            <a:r>
+              <a:rPr lang="pl-PL" sz="800" dirty="0" err="1"/>
+              <a:t>method</a:t>
+            </a:r>
+            <a:r>
+              <a:rPr lang="pl-PL" sz="800" dirty="0"/>
+              <a:t> in </a:t>
+            </a:r>
+            <a:r>
+              <a:rPr lang="pl-PL" sz="800"/>
+              <a:t>class</a:t>
+            </a:r>
+            <a:endParaRPr lang="pl-PL" sz="800" dirty="0"/>
           </a:p>
         </p:txBody>
       </p:sp>
@@ -8141,16 +8174,33 @@
           <a:p>
             <a:r>
               <a:rPr lang="pl-PL" sz="800" dirty="0"/>
-              <a:t>ZNYPEASISCEN-DOWNLOAD_CATALOGS()</a:t>
-            </a:r>
-          </a:p>
-          <a:p>
+              <a:t>ZNYPEASISCEN-DOWNLOAD_CATALOGS() #RFC </a:t>
+            </a:r>
+            <a:r>
+              <a:rPr lang="pl-PL" sz="800" dirty="0" err="1"/>
+              <a:t>call</a:t>
+            </a:r>
+            <a:r>
+              <a:rPr lang="pl-PL" sz="800" dirty="0"/>
+              <a:t> do </a:t>
+            </a:r>
+            <a:r>
+              <a:rPr lang="pl-PL" sz="800" dirty="0" err="1"/>
+              <a:t>manage</a:t>
+            </a:r>
             <a:endParaRPr lang="pl-PL" sz="800" dirty="0"/>
           </a:p>
           <a:p>
+            <a:endParaRPr lang="pl-PL" sz="800" dirty="0"/>
+          </a:p>
+          <a:p>
             <a:r>
               <a:rPr lang="pl-PL" sz="800" dirty="0"/>
-              <a:t>(FM)Z_NYPEASISCEN_DOWNLOAD_CATALOG</a:t>
+              <a:t>(FM)</a:t>
+            </a:r>
+            <a:r>
+              <a:rPr lang="pl-PL" sz="800" b="1" dirty="0"/>
+              <a:t>Z_NYPEASISCEN_DOWNLOAD_CATALOG</a:t>
             </a:r>
           </a:p>
           <a:p>
@@ -8277,8 +8327,8 @@
         </p:nvCxnSpPr>
         <p:spPr>
           <a:xfrm>
-            <a:off x="2460880" y="2020254"/>
-            <a:ext cx="437687" cy="2955248"/>
+            <a:off x="2512031" y="2151006"/>
+            <a:ext cx="386536" cy="2824496"/>
           </a:xfrm>
           <a:prstGeom prst="straightConnector1">
             <a:avLst/>
@@ -8323,6 +8373,94 @@
           <a:xfrm flipV="1">
             <a:off x="4756527" y="2461260"/>
             <a:ext cx="1245511" cy="1942560"/>
+          </a:xfrm>
+          <a:prstGeom prst="straightConnector1">
+            <a:avLst/>
+          </a:prstGeom>
+          <a:ln>
+            <a:solidFill>
+              <a:schemeClr val="tx1"/>
+            </a:solidFill>
+            <a:tailEnd type="triangle"/>
+          </a:ln>
+        </p:spPr>
+        <p:style>
+          <a:lnRef idx="1">
+            <a:schemeClr val="accent1"/>
+          </a:lnRef>
+          <a:fillRef idx="0">
+            <a:schemeClr val="accent1"/>
+          </a:fillRef>
+          <a:effectRef idx="0">
+            <a:schemeClr val="accent1"/>
+          </a:effectRef>
+          <a:fontRef idx="minor">
+            <a:schemeClr val="tx1"/>
+          </a:fontRef>
+        </p:style>
+      </p:cxnSp>
+      <p:cxnSp>
+        <p:nvCxnSpPr>
+          <p:cNvPr id="20" name="Straight Arrow Connector 19">
+            <a:extLst>
+              <a:ext uri="{FF2B5EF4-FFF2-40B4-BE49-F238E27FC236}">
+                <a16:creationId xmlns:a16="http://schemas.microsoft.com/office/drawing/2014/main" id="{148BA9F7-D34F-4933-99B0-0ED37437FB66}"/>
+              </a:ext>
+            </a:extLst>
+          </p:cNvPr>
+          <p:cNvCxnSpPr>
+            <a:cxnSpLocks/>
+          </p:cNvCxnSpPr>
+          <p:nvPr/>
+        </p:nvCxnSpPr>
+        <p:spPr>
+          <a:xfrm flipV="1">
+            <a:off x="1232133" y="2098188"/>
+            <a:ext cx="0" cy="148977"/>
+          </a:xfrm>
+          <a:prstGeom prst="straightConnector1">
+            <a:avLst/>
+          </a:prstGeom>
+          <a:ln>
+            <a:solidFill>
+              <a:schemeClr val="tx1"/>
+            </a:solidFill>
+            <a:tailEnd type="triangle"/>
+          </a:ln>
+        </p:spPr>
+        <p:style>
+          <a:lnRef idx="1">
+            <a:schemeClr val="accent1"/>
+          </a:lnRef>
+          <a:fillRef idx="0">
+            <a:schemeClr val="accent1"/>
+          </a:fillRef>
+          <a:effectRef idx="0">
+            <a:schemeClr val="accent1"/>
+          </a:effectRef>
+          <a:fontRef idx="minor">
+            <a:schemeClr val="tx1"/>
+          </a:fontRef>
+        </p:style>
+      </p:cxnSp>
+      <p:cxnSp>
+        <p:nvCxnSpPr>
+          <p:cNvPr id="22" name="Straight Arrow Connector 21">
+            <a:extLst>
+              <a:ext uri="{FF2B5EF4-FFF2-40B4-BE49-F238E27FC236}">
+                <a16:creationId xmlns:a16="http://schemas.microsoft.com/office/drawing/2014/main" id="{A3D2B34A-06B4-4FEF-A1C0-3A28C0B59B26}"/>
+              </a:ext>
+            </a:extLst>
+          </p:cNvPr>
+          <p:cNvCxnSpPr>
+            <a:cxnSpLocks/>
+          </p:cNvCxnSpPr>
+          <p:nvPr/>
+        </p:nvCxnSpPr>
+        <p:spPr>
+          <a:xfrm flipV="1">
+            <a:off x="4875088" y="3025740"/>
+            <a:ext cx="3431568" cy="1800785"/>
           </a:xfrm>
           <a:prstGeom prst="straightConnector1">
             <a:avLst/>
